--- a/Apresentacao_ALFA.pptx
+++ b/Apresentacao_ALFA.pptx
@@ -28181,6 +28181,11 @@
             <a:off x="1486566" y="3035081"/>
             <a:ext cx="2341256" cy="640698"/>
           </a:xfrm>
+          <a:solidFill>
+            <a:schemeClr val="accent4">
+              <a:lumMod val="50000"/>
+            </a:schemeClr>
+          </a:solidFill>
         </p:spPr>
         <p:txBody>
           <a:bodyPr rtlCol="0"/>
@@ -28188,10 +28193,18 @@
           <a:p>
             <a:pPr rtl="0"/>
             <a:r>
-              <a:rPr lang="pt-pt" noProof="0"/>
+              <a:rPr lang="pt-pt" noProof="0" dirty="0">
+                <a:solidFill>
+                  <a:schemeClr val="bg1"/>
+                </a:solidFill>
+              </a:rPr>
               <a:t>Obrigado</a:t>
             </a:r>
-            <a:endParaRPr lang="en-US" dirty="0"/>
+            <a:endParaRPr lang="en-US" dirty="0">
+              <a:solidFill>
+                <a:schemeClr val="bg1"/>
+              </a:solidFill>
+            </a:endParaRPr>
           </a:p>
         </p:txBody>
       </p:sp>
@@ -29100,7 +29113,7 @@
           <a:p>
             <a:pPr rtl="0"/>
             <a:r>
-              <a:rPr lang="pt-PT"/>
+              <a:rPr lang="pt-PT" dirty="0"/>
               <a:t>Descrição Geral do Produto</a:t>
             </a:r>
           </a:p>
@@ -29282,8 +29295,8 @@
           <a:p>
             <a:pPr rtl="0"/>
             <a:r>
-              <a:rPr lang="pt-PT"/>
-              <a:t>Exclusivo</a:t>
+              <a:rPr lang="pt-PT" dirty="0"/>
+              <a:t>Modo offline</a:t>
             </a:r>
           </a:p>
         </p:txBody>
@@ -29306,7 +29319,7 @@
         </p:nvSpPr>
         <p:spPr>
           <a:xfrm>
-            <a:off x="740800" y="4036041"/>
+            <a:off x="758637" y="4258051"/>
             <a:ext cx="2351446" cy="1704547"/>
           </a:xfrm>
         </p:spPr>
@@ -29316,8 +29329,8 @@
           <a:p>
             <a:pPr rtl="0"/>
             <a:r>
-              <a:rPr lang="pt-PT"/>
-              <a:t>Único produto dedicado especificamente ao mercado agrícola</a:t>
+              <a:rPr lang="pt-PT" dirty="0"/>
+              <a:t>Maximização das funcionalidades disponíveis em modo offline</a:t>
             </a:r>
           </a:p>
         </p:txBody>
@@ -29340,7 +29353,7 @@
         </p:nvSpPr>
         <p:spPr>
           <a:xfrm>
-            <a:off x="3508580" y="3824089"/>
+            <a:off x="3508580" y="3667981"/>
             <a:ext cx="2587420" cy="491509"/>
           </a:xfrm>
         </p:spPr>
@@ -29350,8 +29363,8 @@
           <a:p>
             <a:pPr rtl="0"/>
             <a:r>
-              <a:rPr lang="pt-PT"/>
-              <a:t>Primeiro a Entrar no Mercado</a:t>
+              <a:rPr lang="pt-PT" dirty="0"/>
+              <a:t>Fácil utilização</a:t>
             </a:r>
           </a:p>
         </p:txBody>
@@ -29384,8 +29397,8 @@
           <a:p>
             <a:pPr rtl="0"/>
             <a:r>
-              <a:rPr lang="pt-PT"/>
-              <a:t>Primeiro produto com design elegante que é sofisticado e funcional</a:t>
+              <a:rPr lang="pt-PT" dirty="0"/>
+              <a:t>Tornar a utilização o mais simples e intuitiva possível de modo a aumentar a adesão</a:t>
             </a:r>
           </a:p>
         </p:txBody>
@@ -29408,7 +29421,7 @@
         </p:nvSpPr>
         <p:spPr>
           <a:xfrm>
-            <a:off x="6303400" y="3608439"/>
+            <a:off x="6303400" y="3812241"/>
             <a:ext cx="2351446" cy="491509"/>
           </a:xfrm>
         </p:spPr>
@@ -29418,8 +29431,8 @@
           <a:p>
             <a:pPr rtl="0"/>
             <a:r>
-              <a:rPr lang="pt-PT"/>
-              <a:t>Testado</a:t>
+              <a:rPr lang="pt-PT" dirty="0"/>
+              <a:t>Redução de custos</a:t>
             </a:r>
           </a:p>
         </p:txBody>
@@ -29442,7 +29455,7 @@
         </p:nvSpPr>
         <p:spPr>
           <a:xfrm>
-            <a:off x="6303400" y="4036041"/>
+            <a:off x="6303400" y="4258051"/>
             <a:ext cx="2351446" cy="1704547"/>
           </a:xfrm>
         </p:spPr>
@@ -29452,8 +29465,8 @@
           <a:p>
             <a:pPr rtl="0"/>
             <a:r>
-              <a:rPr lang="pt-PT"/>
-              <a:t>Testes realizados com jovens agricultores na área</a:t>
+              <a:rPr lang="pt-PT" dirty="0"/>
+              <a:t>Foco na redução de custos que vai tornar o produto mais apelativo</a:t>
             </a:r>
           </a:p>
         </p:txBody>
@@ -29486,8 +29499,8 @@
           <a:p>
             <a:pPr rtl="0"/>
             <a:r>
-              <a:rPr lang="pt-PT"/>
-              <a:t>Autêntico</a:t>
+              <a:rPr lang="pt-PT" dirty="0"/>
+              <a:t>Feedback direto</a:t>
             </a:r>
           </a:p>
         </p:txBody>
@@ -29510,7 +29523,7 @@
         </p:nvSpPr>
         <p:spPr>
           <a:xfrm>
-            <a:off x="9071180" y="4036041"/>
+            <a:off x="9071180" y="4258051"/>
             <a:ext cx="2351446" cy="1704547"/>
           </a:xfrm>
         </p:spPr>
@@ -29520,8 +29533,8 @@
           <a:p>
             <a:pPr rtl="0"/>
             <a:r>
-              <a:rPr lang="pt-PT"/>
-              <a:t>Concebido com a ajuda e a colaboração de especialistas agrícolas na área </a:t>
+              <a:rPr lang="pt-PT" dirty="0"/>
+              <a:t>Desenvolvimento com feedback direto de potenciais utilizadores e entidades</a:t>
             </a:r>
           </a:p>
         </p:txBody>
@@ -30579,7 +30592,7 @@
           <a:lstStyle/>
           <a:p>
             <a:pPr algn="ctr" rtl="0"/>
-            <a:endParaRPr lang="pt-PT"/>
+            <a:endParaRPr lang="pt-PT" dirty="0"/>
           </a:p>
         </p:txBody>
       </p:sp>
@@ -32344,12 +32357,22 @@
 </file>
 
 <file path=customXml/item1.xml><?xml version="1.0" encoding="utf-8"?>
-<?mso-contentType ?>
-<FormTemplates xmlns="http://schemas.microsoft.com/sharepoint/v3/contenttype/forms">
-  <Display>DocumentLibraryForm</Display>
-  <Edit>DocumentLibraryForm</Edit>
-  <New>DocumentLibraryForm</New>
-</FormTemplates>
+<p:properties xmlns:p="http://schemas.microsoft.com/office/2006/metadata/properties" xmlns:xsi="http://www.w3.org/2001/XMLSchema-instance" xmlns:pc="http://schemas.microsoft.com/office/infopath/2007/PartnerControls">
+  <documentManagement>
+    <_ip_UnifiedCompliancePolicyUIAction xmlns="http://schemas.microsoft.com/sharepoint/v3" xsi:nil="true"/>
+    <Image xmlns="71af3243-3dd4-4a8d-8c0d-dd76da1f02a5">
+      <Url xsi:nil="true"/>
+      <Description xsi:nil="true"/>
+    </Image>
+    <Status xmlns="71af3243-3dd4-4a8d-8c0d-dd76da1f02a5">Not started</Status>
+    <_ip_UnifiedCompliancePolicyProperties xmlns="http://schemas.microsoft.com/sharepoint/v3" xsi:nil="true"/>
+    <ImageTagsTaxHTField xmlns="71af3243-3dd4-4a8d-8c0d-dd76da1f02a5">
+      <Terms xmlns="http://schemas.microsoft.com/office/infopath/2007/PartnerControls"/>
+    </ImageTagsTaxHTField>
+    <TaxCatchAll xmlns="230e9df3-be65-4c73-a93b-d1236ebd677e"/>
+    <MediaServiceKeyPoints xmlns="71af3243-3dd4-4a8d-8c0d-dd76da1f02a5" xsi:nil="true"/>
+  </documentManagement>
+</p:properties>
 </file>
 
 <file path=customXml/item2.xml><?xml version="1.0" encoding="utf-8"?>
@@ -32629,28 +32652,22 @@
 </file>
 
 <file path=customXml/item3.xml><?xml version="1.0" encoding="utf-8"?>
-<p:properties xmlns:p="http://schemas.microsoft.com/office/2006/metadata/properties" xmlns:xsi="http://www.w3.org/2001/XMLSchema-instance" xmlns:pc="http://schemas.microsoft.com/office/infopath/2007/PartnerControls">
-  <documentManagement>
-    <_ip_UnifiedCompliancePolicyUIAction xmlns="http://schemas.microsoft.com/sharepoint/v3" xsi:nil="true"/>
-    <Image xmlns="71af3243-3dd4-4a8d-8c0d-dd76da1f02a5">
-      <Url xsi:nil="true"/>
-      <Description xsi:nil="true"/>
-    </Image>
-    <Status xmlns="71af3243-3dd4-4a8d-8c0d-dd76da1f02a5">Not started</Status>
-    <_ip_UnifiedCompliancePolicyProperties xmlns="http://schemas.microsoft.com/sharepoint/v3" xsi:nil="true"/>
-    <ImageTagsTaxHTField xmlns="71af3243-3dd4-4a8d-8c0d-dd76da1f02a5">
-      <Terms xmlns="http://schemas.microsoft.com/office/infopath/2007/PartnerControls"/>
-    </ImageTagsTaxHTField>
-    <TaxCatchAll xmlns="230e9df3-be65-4c73-a93b-d1236ebd677e"/>
-    <MediaServiceKeyPoints xmlns="71af3243-3dd4-4a8d-8c0d-dd76da1f02a5" xsi:nil="true"/>
-  </documentManagement>
-</p:properties>
+<?mso-contentType ?>
+<FormTemplates xmlns="http://schemas.microsoft.com/sharepoint/v3/contenttype/forms">
+  <Display>DocumentLibraryForm</Display>
+  <Edit>DocumentLibraryForm</Edit>
+  <New>DocumentLibraryForm</New>
+</FormTemplates>
 </file>
 
 <file path=customXml/itemProps1.xml><?xml version="1.0" encoding="utf-8"?>
-<ds:datastoreItem xmlns:ds="http://schemas.openxmlformats.org/officeDocument/2006/customXml" ds:itemID="{5F1B15C2-B622-4464-872A-FFB13E3A35CE}">
+<ds:datastoreItem xmlns:ds="http://schemas.openxmlformats.org/officeDocument/2006/customXml" ds:itemID="{0E439292-23DE-4FBC-B000-AFED89AC64F3}">
   <ds:schemaRefs>
-    <ds:schemaRef ds:uri="http://schemas.microsoft.com/sharepoint/v3/contenttype/forms"/>
+    <ds:schemaRef ds:uri="http://schemas.microsoft.com/office/2006/metadata/properties"/>
+    <ds:schemaRef ds:uri="http://schemas.microsoft.com/office/infopath/2007/PartnerControls"/>
+    <ds:schemaRef ds:uri="http://schemas.microsoft.com/sharepoint/v3"/>
+    <ds:schemaRef ds:uri="71af3243-3dd4-4a8d-8c0d-dd76da1f02a5"/>
+    <ds:schemaRef ds:uri="230e9df3-be65-4c73-a93b-d1236ebd677e"/>
   </ds:schemaRefs>
 </ds:datastoreItem>
 </file>
@@ -32677,13 +32694,9 @@
 </file>
 
 <file path=customXml/itemProps3.xml><?xml version="1.0" encoding="utf-8"?>
-<ds:datastoreItem xmlns:ds="http://schemas.openxmlformats.org/officeDocument/2006/customXml" ds:itemID="{0E439292-23DE-4FBC-B000-AFED89AC64F3}">
+<ds:datastoreItem xmlns:ds="http://schemas.openxmlformats.org/officeDocument/2006/customXml" ds:itemID="{5F1B15C2-B622-4464-872A-FFB13E3A35CE}">
   <ds:schemaRefs>
-    <ds:schemaRef ds:uri="http://schemas.microsoft.com/office/2006/metadata/properties"/>
-    <ds:schemaRef ds:uri="http://schemas.microsoft.com/office/infopath/2007/PartnerControls"/>
-    <ds:schemaRef ds:uri="http://schemas.microsoft.com/sharepoint/v3"/>
-    <ds:schemaRef ds:uri="71af3243-3dd4-4a8d-8c0d-dd76da1f02a5"/>
-    <ds:schemaRef ds:uri="230e9df3-be65-4c73-a93b-d1236ebd677e"/>
+    <ds:schemaRef ds:uri="http://schemas.microsoft.com/sharepoint/v3/contenttype/forms"/>
   </ds:schemaRefs>
 </ds:datastoreItem>
 </file>
